--- a/LoriSlides.pptx
+++ b/LoriSlides.pptx
@@ -7959,8 +7959,8 @@
         </p:nvSpPr>
         <p:spPr>
           <a:xfrm>
-            <a:off x="253063" y="1226565"/>
-            <a:ext cx="2590745" cy="3862596"/>
+            <a:off x="9476" y="1336576"/>
+            <a:ext cx="3074400" cy="3539430"/>
           </a:xfrm>
           <a:prstGeom prst="rect">
             <a:avLst/>
@@ -8016,7 +8016,7 @@
             </a:r>
           </a:p>
           <a:p>
-            <a:pPr marL="628650" lvl="1" indent="-171450">
+            <a:pPr marL="171450" indent="-171450">
               <a:lnSpc>
                 <a:spcPct val="150000"/>
               </a:lnSpc>
@@ -8031,26 +8031,7 @@
                 </a:solidFill>
                 <a:cs typeface="Arial" pitchFamily="34" charset="0"/>
               </a:rPr>
-              <a:t>Bottom&gt;Middle, Upper = %10, 15%</a:t>
-            </a:r>
-          </a:p>
-          <a:p>
-            <a:pPr marL="628650" lvl="1" indent="-171450">
-              <a:lnSpc>
-                <a:spcPct val="150000"/>
-              </a:lnSpc>
-              <a:buSzPct val="200000"/>
-              <a:buFont typeface="Arial" panose="020B0604020202020204" pitchFamily="34" charset="0"/>
-              <a:buChar char="•"/>
-            </a:pPr>
-            <a:r>
-              <a:rPr lang="en-US" altLang="ko-KR" sz="1400" dirty="0">
-                <a:solidFill>
-                  <a:schemeClr val="accent1"/>
-                </a:solidFill>
-                <a:cs typeface="Arial" pitchFamily="34" charset="0"/>
-              </a:rPr>
-              <a:t>Middle&gt;Upper=5%</a:t>
+              <a:t>1999-2010: income and affordability closely correlate</a:t>
             </a:r>
           </a:p>
           <a:p>
@@ -8069,26 +8050,7 @@
                 </a:solidFill>
                 <a:cs typeface="Arial" pitchFamily="34" charset="0"/>
               </a:rPr>
-              <a:t>Exception – 2008</a:t>
-            </a:r>
-          </a:p>
-          <a:p>
-            <a:pPr marL="628650" lvl="1" indent="-171450">
-              <a:lnSpc>
-                <a:spcPct val="150000"/>
-              </a:lnSpc>
-              <a:buSzPct val="200000"/>
-              <a:buFont typeface="Arial" panose="020B0604020202020204" pitchFamily="34" charset="0"/>
-              <a:buChar char="•"/>
-            </a:pPr>
-            <a:r>
-              <a:rPr lang="en-US" altLang="ko-KR" sz="1400" dirty="0">
-                <a:solidFill>
-                  <a:schemeClr val="accent1"/>
-                </a:solidFill>
-                <a:cs typeface="Arial" pitchFamily="34" charset="0"/>
-              </a:rPr>
-              <a:t>Bottom&gt;Middle, Upper =15%, 20% </a:t>
+              <a:t>2010-2012, income goes up,  amount spent went down.</a:t>
             </a:r>
           </a:p>
           <a:p>
@@ -8107,7 +8069,26 @@
                 </a:solidFill>
                 <a:cs typeface="Arial" pitchFamily="34" charset="0"/>
               </a:rPr>
-              <a:t>As income goes down, affordability goes down</a:t>
+              <a:t>2012-2017 income rising, amount spent stagnant</a:t>
+            </a:r>
+          </a:p>
+          <a:p>
+            <a:pPr marL="171450" indent="-171450">
+              <a:lnSpc>
+                <a:spcPct val="150000"/>
+              </a:lnSpc>
+              <a:buSzPct val="200000"/>
+              <a:buFont typeface="Arial" panose="020B0604020202020204" pitchFamily="34" charset="0"/>
+              <a:buChar char="•"/>
+            </a:pPr>
+            <a:r>
+              <a:rPr lang="en-US" altLang="ko-KR" sz="1400" dirty="0">
+                <a:solidFill>
+                  <a:schemeClr val="accent1"/>
+                </a:solidFill>
+                <a:cs typeface="Arial" pitchFamily="34" charset="0"/>
+              </a:rPr>
+              <a:t>2017-2018, incoming rising and affordability beginning to decrease</a:t>
             </a:r>
           </a:p>
           <a:p>
@@ -8154,7 +8135,7 @@
         <p:spPr>
           <a:xfrm>
             <a:off x="3059832" y="915566"/>
-            <a:ext cx="5760641" cy="3960440"/>
+            <a:ext cx="5760640" cy="3960440"/>
           </a:xfrm>
           <a:prstGeom prst="rect">
             <a:avLst/>
@@ -10593,8 +10574,8 @@
         </p:blipFill>
         <p:spPr>
           <a:xfrm>
-            <a:off x="251520" y="1453804"/>
-            <a:ext cx="2016224" cy="1386153"/>
+            <a:off x="251521" y="1453804"/>
+            <a:ext cx="2016222" cy="1386153"/>
           </a:xfrm>
         </p:spPr>
       </p:pic>

--- a/LoriSlides.pptx
+++ b/LoriSlides.pptx
@@ -7773,7 +7773,7 @@
           <a:lstStyle/>
           <a:p>
             <a:r>
-              <a:rPr lang="en-US" altLang="ko-KR" b="1" dirty="0"/>
+              <a:rPr lang="en-US" altLang="ko-KR" dirty="0"/>
               <a:t>Affordability Demographics</a:t>
             </a:r>
           </a:p>
@@ -8194,7 +8194,7 @@
           <a:lstStyle/>
           <a:p>
             <a:r>
-              <a:rPr lang="en-US" altLang="ko-KR" b="1" dirty="0"/>
+              <a:rPr lang="en-US" altLang="ko-KR" dirty="0"/>
               <a:t>Affordability Demographics</a:t>
             </a:r>
           </a:p>
@@ -8619,7 +8619,7 @@
           <a:lstStyle/>
           <a:p>
             <a:r>
-              <a:rPr lang="en-US" altLang="ko-KR" b="1" dirty="0"/>
+              <a:rPr lang="en-US" altLang="ko-KR" dirty="0"/>
               <a:t>Affordability Demographics</a:t>
             </a:r>
           </a:p>
@@ -9046,7 +9046,7 @@
           <a:lstStyle/>
           <a:p>
             <a:r>
-              <a:rPr lang="en-US" altLang="ko-KR" b="1" dirty="0"/>
+              <a:rPr lang="en-US" altLang="ko-KR" dirty="0"/>
               <a:t>Affordability Demographics</a:t>
             </a:r>
           </a:p>
@@ -9429,10 +9429,10 @@
           <a:lstStyle/>
           <a:p>
             <a:r>
-              <a:rPr lang="en-US" altLang="ko-KR" dirty="0"/>
+              <a:rPr lang="en-US" altLang="ko-KR" sz="3600" dirty="0"/>
               <a:t>Affordability Demographics</a:t>
             </a:r>
-            <a:endParaRPr lang="ko-KR" altLang="en-US" dirty="0"/>
+            <a:endParaRPr lang="ko-KR" altLang="en-US" sz="3600" dirty="0"/>
           </a:p>
         </p:txBody>
       </p:sp>
